--- a/Paper 2/PAPER 2.pptx
+++ b/Paper 2/PAPER 2.pptx
@@ -231,7 +231,7 @@
           <a:p>
             <a:fld id="{11CA6FB8-A911-4035-BD8E-19768511D874}" type="datetimeFigureOut">
               <a:rPr lang="en-US" smtClean="0"/>
-              <a:t>3/9/2018</a:t>
+              <a:t>7/11/2018</a:t>
             </a:fld>
             <a:endParaRPr lang="en-US"/>
           </a:p>
@@ -801,7 +801,7 @@
           <a:p>
             <a:fld id="{7A9E3982-6353-4D92-838A-21B2C1B3E1ED}" type="datetimeFigureOut">
               <a:rPr lang="en-US" smtClean="0"/>
-              <a:t>3/9/2018</a:t>
+              <a:t>7/11/2018</a:t>
             </a:fld>
             <a:endParaRPr lang="en-US"/>
           </a:p>
@@ -971,7 +971,7 @@
           <a:p>
             <a:fld id="{7A9E3982-6353-4D92-838A-21B2C1B3E1ED}" type="datetimeFigureOut">
               <a:rPr lang="en-US" smtClean="0"/>
-              <a:t>3/9/2018</a:t>
+              <a:t>7/11/2018</a:t>
             </a:fld>
             <a:endParaRPr lang="en-US"/>
           </a:p>
@@ -1151,7 +1151,7 @@
           <a:p>
             <a:fld id="{7A9E3982-6353-4D92-838A-21B2C1B3E1ED}" type="datetimeFigureOut">
               <a:rPr lang="en-US" smtClean="0"/>
-              <a:t>3/9/2018</a:t>
+              <a:t>7/11/2018</a:t>
             </a:fld>
             <a:endParaRPr lang="en-US"/>
           </a:p>
@@ -1321,7 +1321,7 @@
           <a:p>
             <a:fld id="{7A9E3982-6353-4D92-838A-21B2C1B3E1ED}" type="datetimeFigureOut">
               <a:rPr lang="en-US" smtClean="0"/>
-              <a:t>3/9/2018</a:t>
+              <a:t>7/11/2018</a:t>
             </a:fld>
             <a:endParaRPr lang="en-US"/>
           </a:p>
@@ -1567,7 +1567,7 @@
           <a:p>
             <a:fld id="{7A9E3982-6353-4D92-838A-21B2C1B3E1ED}" type="datetimeFigureOut">
               <a:rPr lang="en-US" smtClean="0"/>
-              <a:t>3/9/2018</a:t>
+              <a:t>7/11/2018</a:t>
             </a:fld>
             <a:endParaRPr lang="en-US"/>
           </a:p>
@@ -1799,7 +1799,7 @@
           <a:p>
             <a:fld id="{7A9E3982-6353-4D92-838A-21B2C1B3E1ED}" type="datetimeFigureOut">
               <a:rPr lang="en-US" smtClean="0"/>
-              <a:t>3/9/2018</a:t>
+              <a:t>7/11/2018</a:t>
             </a:fld>
             <a:endParaRPr lang="en-US"/>
           </a:p>
@@ -2166,7 +2166,7 @@
           <a:p>
             <a:fld id="{7A9E3982-6353-4D92-838A-21B2C1B3E1ED}" type="datetimeFigureOut">
               <a:rPr lang="en-US" smtClean="0"/>
-              <a:t>3/9/2018</a:t>
+              <a:t>7/11/2018</a:t>
             </a:fld>
             <a:endParaRPr lang="en-US"/>
           </a:p>
@@ -2284,7 +2284,7 @@
           <a:p>
             <a:fld id="{7A9E3982-6353-4D92-838A-21B2C1B3E1ED}" type="datetimeFigureOut">
               <a:rPr lang="en-US" smtClean="0"/>
-              <a:t>3/9/2018</a:t>
+              <a:t>7/11/2018</a:t>
             </a:fld>
             <a:endParaRPr lang="en-US"/>
           </a:p>
@@ -2379,7 +2379,7 @@
           <a:p>
             <a:fld id="{7A9E3982-6353-4D92-838A-21B2C1B3E1ED}" type="datetimeFigureOut">
               <a:rPr lang="en-US" smtClean="0"/>
-              <a:t>3/9/2018</a:t>
+              <a:t>7/11/2018</a:t>
             </a:fld>
             <a:endParaRPr lang="en-US"/>
           </a:p>
@@ -2656,7 +2656,7 @@
           <a:p>
             <a:fld id="{7A9E3982-6353-4D92-838A-21B2C1B3E1ED}" type="datetimeFigureOut">
               <a:rPr lang="en-US" smtClean="0"/>
-              <a:t>3/9/2018</a:t>
+              <a:t>7/11/2018</a:t>
             </a:fld>
             <a:endParaRPr lang="en-US"/>
           </a:p>
@@ -2909,7 +2909,7 @@
           <a:p>
             <a:fld id="{7A9E3982-6353-4D92-838A-21B2C1B3E1ED}" type="datetimeFigureOut">
               <a:rPr lang="en-US" smtClean="0"/>
-              <a:t>3/9/2018</a:t>
+              <a:t>7/11/2018</a:t>
             </a:fld>
             <a:endParaRPr lang="en-US"/>
           </a:p>
@@ -3122,7 +3122,7 @@
           <a:p>
             <a:fld id="{7A9E3982-6353-4D92-838A-21B2C1B3E1ED}" type="datetimeFigureOut">
               <a:rPr lang="en-US" smtClean="0"/>
-              <a:t>3/9/2018</a:t>
+              <a:t>7/11/2018</a:t>
             </a:fld>
             <a:endParaRPr lang="en-US"/>
           </a:p>
@@ -3553,8 +3553,8 @@
               <a:t> </a:t>
             </a:r>
             <a:r>
-              <a:rPr lang="en-US" altLang="zh-TW" sz="9600" b="1" dirty="0" smtClean="0"/>
-              <a:t>3</a:t>
+              <a:rPr lang="en-US" altLang="zh-TW" sz="9600" b="1" dirty="0"/>
+              <a:t>2</a:t>
             </a:r>
             <a:endParaRPr lang="en-US" sz="6600" b="1" dirty="0"/>
           </a:p>
